--- a/Milestone2.pptx
+++ b/Milestone2.pptx
@@ -13,6 +13,7 @@
     <p:sldId id="261" r:id="rId7"/>
     <p:sldId id="262" r:id="rId8"/>
     <p:sldId id="264" r:id="rId9"/>
+    <p:sldId id="265" r:id="rId10"/>
   </p:sldIdLst>
   <p:sldSz cx="12192000" cy="6858000"/>
   <p:notesSz cx="6858000" cy="9144000"/>
@@ -111,6 +112,11 @@
       </a:defRPr>
     </a:lvl9pPr>
   </p:defaultTextStyle>
+  <p:extLst>
+    <p:ext uri="{EFAFB233-063F-42B5-8137-9DF3F51BA10A}">
+      <p15:sldGuideLst xmlns:p15="http://schemas.microsoft.com/office/powerpoint/2012/main"/>
+    </p:ext>
+  </p:extLst>
 </p:presentation>
 </file>
 
@@ -6106,7 +6112,7 @@
           <a:p>
             <a:fld id="{051916C3-B5AA-4258-A989-038C69571A58}" type="datetimeFigureOut">
               <a:rPr lang="en-US" smtClean="0"/>
-              <a:t>11/3/2019</a:t>
+              <a:t>11/4/2019</a:t>
             </a:fld>
             <a:endParaRPr lang="en-US"/>
           </a:p>
@@ -6304,7 +6310,7 @@
           <a:p>
             <a:fld id="{051916C3-B5AA-4258-A989-038C69571A58}" type="datetimeFigureOut">
               <a:rPr lang="en-US" smtClean="0"/>
-              <a:t>11/3/2019</a:t>
+              <a:t>11/4/2019</a:t>
             </a:fld>
             <a:endParaRPr lang="en-US"/>
           </a:p>
@@ -6512,7 +6518,7 @@
           <a:p>
             <a:fld id="{051916C3-B5AA-4258-A989-038C69571A58}" type="datetimeFigureOut">
               <a:rPr lang="en-US" smtClean="0"/>
-              <a:t>11/3/2019</a:t>
+              <a:t>11/4/2019</a:t>
             </a:fld>
             <a:endParaRPr lang="en-US"/>
           </a:p>
@@ -6710,7 +6716,7 @@
           <a:p>
             <a:fld id="{051916C3-B5AA-4258-A989-038C69571A58}" type="datetimeFigureOut">
               <a:rPr lang="en-US" smtClean="0"/>
-              <a:t>11/3/2019</a:t>
+              <a:t>11/4/2019</a:t>
             </a:fld>
             <a:endParaRPr lang="en-US"/>
           </a:p>
@@ -6985,7 +6991,7 @@
           <a:p>
             <a:fld id="{051916C3-B5AA-4258-A989-038C69571A58}" type="datetimeFigureOut">
               <a:rPr lang="en-US" smtClean="0"/>
-              <a:t>11/3/2019</a:t>
+              <a:t>11/4/2019</a:t>
             </a:fld>
             <a:endParaRPr lang="en-US"/>
           </a:p>
@@ -7250,7 +7256,7 @@
           <a:p>
             <a:fld id="{051916C3-B5AA-4258-A989-038C69571A58}" type="datetimeFigureOut">
               <a:rPr lang="en-US" smtClean="0"/>
-              <a:t>11/3/2019</a:t>
+              <a:t>11/4/2019</a:t>
             </a:fld>
             <a:endParaRPr lang="en-US"/>
           </a:p>
@@ -7662,7 +7668,7 @@
           <a:p>
             <a:fld id="{051916C3-B5AA-4258-A989-038C69571A58}" type="datetimeFigureOut">
               <a:rPr lang="en-US" smtClean="0"/>
-              <a:t>11/3/2019</a:t>
+              <a:t>11/4/2019</a:t>
             </a:fld>
             <a:endParaRPr lang="en-US"/>
           </a:p>
@@ -7803,7 +7809,7 @@
           <a:p>
             <a:fld id="{051916C3-B5AA-4258-A989-038C69571A58}" type="datetimeFigureOut">
               <a:rPr lang="en-US" smtClean="0"/>
-              <a:t>11/3/2019</a:t>
+              <a:t>11/4/2019</a:t>
             </a:fld>
             <a:endParaRPr lang="en-US"/>
           </a:p>
@@ -7916,7 +7922,7 @@
           <a:p>
             <a:fld id="{051916C3-B5AA-4258-A989-038C69571A58}" type="datetimeFigureOut">
               <a:rPr lang="en-US" smtClean="0"/>
-              <a:t>11/3/2019</a:t>
+              <a:t>11/4/2019</a:t>
             </a:fld>
             <a:endParaRPr lang="en-US"/>
           </a:p>
@@ -8227,7 +8233,7 @@
           <a:p>
             <a:fld id="{051916C3-B5AA-4258-A989-038C69571A58}" type="datetimeFigureOut">
               <a:rPr lang="en-US" smtClean="0"/>
-              <a:t>11/3/2019</a:t>
+              <a:t>11/4/2019</a:t>
             </a:fld>
             <a:endParaRPr lang="en-US"/>
           </a:p>
@@ -8515,7 +8521,7 @@
           <a:p>
             <a:fld id="{051916C3-B5AA-4258-A989-038C69571A58}" type="datetimeFigureOut">
               <a:rPr lang="en-US" smtClean="0"/>
-              <a:t>11/3/2019</a:t>
+              <a:t>11/4/2019</a:t>
             </a:fld>
             <a:endParaRPr lang="en-US"/>
           </a:p>
@@ -8756,7 +8762,7 @@
           <a:p>
             <a:fld id="{051916C3-B5AA-4258-A989-038C69571A58}" type="datetimeFigureOut">
               <a:rPr lang="en-US" smtClean="0"/>
-              <a:t>11/3/2019</a:t>
+              <a:t>11/4/2019</a:t>
             </a:fld>
             <a:endParaRPr lang="en-US"/>
           </a:p>
@@ -14223,6 +14229,372 @@
 </p:sld>
 </file>
 
+<file path=ppt/slides/slide9.xml><?xml version="1.0" encoding="utf-8"?>
+<p:sld xmlns:a="http://schemas.openxmlformats.org/drawingml/2006/main" xmlns:r="http://schemas.openxmlformats.org/officeDocument/2006/relationships" xmlns:p="http://schemas.openxmlformats.org/presentationml/2006/main">
+  <p:cSld>
+    <p:bg>
+      <p:bgPr>
+        <a:solidFill>
+          <a:schemeClr val="bg1"/>
+        </a:solidFill>
+        <a:effectLst/>
+      </p:bgPr>
+    </p:bg>
+    <p:spTree>
+      <p:nvGrpSpPr>
+        <p:cNvPr id="1" name=""/>
+        <p:cNvGrpSpPr/>
+        <p:nvPr/>
+      </p:nvGrpSpPr>
+      <p:grpSpPr>
+        <a:xfrm>
+          <a:off x="0" y="0"/>
+          <a:ext cx="0" cy="0"/>
+          <a:chOff x="0" y="0"/>
+          <a:chExt cx="0" cy="0"/>
+        </a:xfrm>
+      </p:grpSpPr>
+      <p:sp>
+        <p:nvSpPr>
+          <p:cNvPr id="9" name="Rectangle 8">
+            <a:extLst>
+              <a:ext uri="{FF2B5EF4-FFF2-40B4-BE49-F238E27FC236}">
+                <a16:creationId xmlns:a16="http://schemas.microsoft.com/office/drawing/2014/main" id="{6753252F-4873-4F63-801D-CC719279A7D5}"/>
+              </a:ext>
+              <a:ext uri="{C183D7F6-B498-43B3-948B-1728B52AA6E4}">
+                <adec:decorative xmlns:adec="http://schemas.microsoft.com/office/drawing/2017/decorative" val="1"/>
+              </a:ext>
+            </a:extLst>
+          </p:cNvPr>
+          <p:cNvSpPr>
+            <a:spLocks noGrp="1" noRot="1" noChangeAspect="1" noMove="1" noResize="1" noEditPoints="1" noAdjustHandles="1" noChangeArrowheads="1" noChangeShapeType="1" noTextEdit="1"/>
+          </p:cNvSpPr>
+          <p:nvPr>
+            <p:extLst>
+              <p:ext uri="{386F3935-93C4-4BCD-93E2-E3B085C9AB24}">
+                <p16:designElem xmlns:p16="http://schemas.microsoft.com/office/powerpoint/2015/main" val="1"/>
+              </p:ext>
+            </p:extLst>
+          </p:nvPr>
+        </p:nvSpPr>
+        <p:spPr>
+          <a:xfrm>
+            <a:off x="0" y="0"/>
+            <a:ext cx="12192000" cy="6858000"/>
+          </a:xfrm>
+          <a:prstGeom prst="rect">
+            <a:avLst/>
+          </a:prstGeom>
+          <a:solidFill>
+            <a:srgbClr val="FFFFFF"/>
+          </a:solidFill>
+          <a:ln>
+            <a:noFill/>
+          </a:ln>
+        </p:spPr>
+        <p:style>
+          <a:lnRef idx="2">
+            <a:schemeClr val="accent1">
+              <a:shade val="50000"/>
+            </a:schemeClr>
+          </a:lnRef>
+          <a:fillRef idx="1">
+            <a:schemeClr val="accent1"/>
+          </a:fillRef>
+          <a:effectRef idx="0">
+            <a:schemeClr val="accent1"/>
+          </a:effectRef>
+          <a:fontRef idx="minor">
+            <a:schemeClr val="lt1"/>
+          </a:fontRef>
+        </p:style>
+        <p:txBody>
+          <a:bodyPr rtlCol="0" anchor="ctr"/>
+          <a:lstStyle/>
+          <a:p>
+            <a:pPr algn="ctr"/>
+            <a:endParaRPr lang="en-US"/>
+          </a:p>
+        </p:txBody>
+      </p:sp>
+      <p:sp>
+        <p:nvSpPr>
+          <p:cNvPr id="11" name="Rectangle 10">
+            <a:extLst>
+              <a:ext uri="{FF2B5EF4-FFF2-40B4-BE49-F238E27FC236}">
+                <a16:creationId xmlns:a16="http://schemas.microsoft.com/office/drawing/2014/main" id="{047C8CCB-F95D-4249-92DD-651249D3535A}"/>
+              </a:ext>
+              <a:ext uri="{C183D7F6-B498-43B3-948B-1728B52AA6E4}">
+                <adec:decorative xmlns:adec="http://schemas.microsoft.com/office/drawing/2017/decorative" val="1"/>
+              </a:ext>
+            </a:extLst>
+          </p:cNvPr>
+          <p:cNvSpPr>
+            <a:spLocks noGrp="1" noRot="1" noChangeAspect="1" noMove="1" noResize="1" noEditPoints="1" noAdjustHandles="1" noChangeArrowheads="1" noChangeShapeType="1" noTextEdit="1"/>
+          </p:cNvSpPr>
+          <p:nvPr>
+            <p:extLst>
+              <p:ext uri="{386F3935-93C4-4BCD-93E2-E3B085C9AB24}">
+                <p16:designElem xmlns:p16="http://schemas.microsoft.com/office/powerpoint/2015/main" val="1"/>
+              </p:ext>
+            </p:extLst>
+          </p:nvPr>
+        </p:nvSpPr>
+        <p:spPr>
+          <a:xfrm>
+            <a:off x="0" y="0"/>
+            <a:ext cx="2013557" cy="6858000"/>
+          </a:xfrm>
+          <a:prstGeom prst="rect">
+            <a:avLst/>
+          </a:prstGeom>
+          <a:solidFill>
+            <a:srgbClr val="495438"/>
+          </a:solidFill>
+          <a:ln>
+            <a:noFill/>
+          </a:ln>
+        </p:spPr>
+        <p:style>
+          <a:lnRef idx="2">
+            <a:schemeClr val="accent1">
+              <a:shade val="50000"/>
+            </a:schemeClr>
+          </a:lnRef>
+          <a:fillRef idx="1">
+            <a:schemeClr val="accent1"/>
+          </a:fillRef>
+          <a:effectRef idx="0">
+            <a:schemeClr val="accent1"/>
+          </a:effectRef>
+          <a:fontRef idx="minor">
+            <a:schemeClr val="lt1"/>
+          </a:fontRef>
+        </p:style>
+        <p:txBody>
+          <a:bodyPr rtlCol="0" anchor="ctr"/>
+          <a:lstStyle/>
+          <a:p>
+            <a:pPr algn="ctr"/>
+            <a:endParaRPr lang="en-US"/>
+          </a:p>
+        </p:txBody>
+      </p:sp>
+      <p:pic>
+        <p:nvPicPr>
+          <p:cNvPr id="4" name="Online Media 3" title="IMG 4357 3">
+            <a:hlinkClick r:id="" action="ppaction://media"/>
+            <a:extLst>
+              <a:ext uri="{FF2B5EF4-FFF2-40B4-BE49-F238E27FC236}">
+                <a16:creationId xmlns:a16="http://schemas.microsoft.com/office/drawing/2014/main" id="{DCFB780B-A250-4347-9C3D-4BC1B72100D2}"/>
+              </a:ext>
+            </a:extLst>
+          </p:cNvPr>
+          <p:cNvPicPr>
+            <a:picLocks noGrp="1" noRot="1" noChangeAspect="1"/>
+          </p:cNvPicPr>
+          <p:nvPr>
+            <p:ph idx="1"/>
+            <a:videoFile r:link="rId1"/>
+          </p:nvPr>
+        </p:nvPicPr>
+        <p:blipFill>
+          <a:blip r:embed="rId3"/>
+          <a:stretch>
+            <a:fillRect/>
+          </a:stretch>
+        </p:blipFill>
+        <p:spPr>
+          <a:xfrm>
+            <a:off x="4345375" y="961812"/>
+            <a:ext cx="6574649" cy="4930987"/>
+          </a:xfrm>
+          <a:prstGeom prst="rect">
+            <a:avLst/>
+          </a:prstGeom>
+        </p:spPr>
+      </p:pic>
+      <p:sp>
+        <p:nvSpPr>
+          <p:cNvPr id="7" name="Title 1">
+            <a:extLst>
+              <a:ext uri="{FF2B5EF4-FFF2-40B4-BE49-F238E27FC236}">
+                <a16:creationId xmlns:a16="http://schemas.microsoft.com/office/drawing/2014/main" id="{A6E10D40-0A87-4ACC-8DB8-715E79DA11C0}"/>
+              </a:ext>
+            </a:extLst>
+          </p:cNvPr>
+          <p:cNvSpPr>
+            <a:spLocks noGrp="1"/>
+          </p:cNvSpPr>
+          <p:nvPr>
+            <p:ph type="title"/>
+          </p:nvPr>
+        </p:nvSpPr>
+        <p:spPr>
+          <a:xfrm>
+            <a:off x="257176" y="2470150"/>
+            <a:ext cx="2457450" cy="1444625"/>
+          </a:xfrm>
+        </p:spPr>
+        <p:txBody>
+          <a:bodyPr/>
+          <a:lstStyle/>
+          <a:p>
+            <a:r>
+              <a:rPr lang="en-US" dirty="0"/>
+              <a:t>Failed Demo</a:t>
+            </a:r>
+          </a:p>
+        </p:txBody>
+      </p:sp>
+    </p:spTree>
+    <p:extLst>
+      <p:ext uri="{BB962C8B-B14F-4D97-AF65-F5344CB8AC3E}">
+        <p14:creationId xmlns:p14="http://schemas.microsoft.com/office/powerpoint/2010/main" val="2861959937"/>
+      </p:ext>
+    </p:extLst>
+  </p:cSld>
+  <p:clrMapOvr>
+    <a:masterClrMapping/>
+  </p:clrMapOvr>
+  <p:timing>
+    <p:tnLst>
+      <p:par>
+        <p:cTn id="1" dur="indefinite" restart="never" nodeType="tmRoot">
+          <p:childTnLst>
+            <p:seq concurrent="1" nextAc="seek">
+              <p:cTn id="2" dur="indefinite" nodeType="mainSeq">
+                <p:childTnLst>
+                  <p:par>
+                    <p:cTn id="3" fill="hold">
+                      <p:stCondLst>
+                        <p:cond delay="indefinite"/>
+                      </p:stCondLst>
+                      <p:childTnLst>
+                        <p:par>
+                          <p:cTn id="4" fill="hold">
+                            <p:stCondLst>
+                              <p:cond delay="0"/>
+                            </p:stCondLst>
+                            <p:childTnLst>
+                              <p:par>
+                                <p:cTn id="5" presetID="1" presetClass="mediacall" presetSubtype="0" fill="hold" nodeType="clickEffect">
+                                  <p:stCondLst>
+                                    <p:cond delay="0"/>
+                                  </p:stCondLst>
+                                  <p:childTnLst>
+                                    <p:cmd type="call" cmd="playFrom(0.0)">
+                                      <p:cBhvr>
+                                        <p:cTn id="6" dur="1" fill="hold"/>
+                                        <p:tgtEl>
+                                          <p:spTgt spid="4"/>
+                                        </p:tgtEl>
+                                      </p:cBhvr>
+                                    </p:cmd>
+                                  </p:childTnLst>
+                                </p:cTn>
+                              </p:par>
+                            </p:childTnLst>
+                          </p:cTn>
+                        </p:par>
+                      </p:childTnLst>
+                    </p:cTn>
+                  </p:par>
+                </p:childTnLst>
+              </p:cTn>
+              <p:prevCondLst>
+                <p:cond evt="onPrev" delay="0">
+                  <p:tgtEl>
+                    <p:sldTgt/>
+                  </p:tgtEl>
+                </p:cond>
+              </p:prevCondLst>
+              <p:nextCondLst>
+                <p:cond evt="onNext" delay="0">
+                  <p:tgtEl>
+                    <p:sldTgt/>
+                  </p:tgtEl>
+                </p:cond>
+              </p:nextCondLst>
+            </p:seq>
+            <p:video>
+              <p:cMediaNode vol="80000">
+                <p:cTn id="7" fill="hold" display="0">
+                  <p:stCondLst>
+                    <p:cond delay="indefinite"/>
+                  </p:stCondLst>
+                </p:cTn>
+                <p:tgtEl>
+                  <p:spTgt spid="4"/>
+                </p:tgtEl>
+              </p:cMediaNode>
+            </p:video>
+            <p:seq concurrent="1" nextAc="seek">
+              <p:cTn id="8" restart="whenNotActive" fill="hold" evtFilter="cancelBubble" nodeType="interactiveSeq">
+                <p:stCondLst>
+                  <p:cond evt="onClick" delay="0">
+                    <p:tgtEl>
+                      <p:spTgt spid="4"/>
+                    </p:tgtEl>
+                  </p:cond>
+                </p:stCondLst>
+                <p:endSync evt="end" delay="0">
+                  <p:rtn val="all"/>
+                </p:endSync>
+                <p:childTnLst>
+                  <p:par>
+                    <p:cTn id="9" fill="hold">
+                      <p:stCondLst>
+                        <p:cond delay="0"/>
+                      </p:stCondLst>
+                      <p:childTnLst>
+                        <p:par>
+                          <p:cTn id="10" fill="hold">
+                            <p:stCondLst>
+                              <p:cond delay="0"/>
+                            </p:stCondLst>
+                            <p:childTnLst>
+                              <p:par>
+                                <p:cTn id="11" presetID="2" presetClass="mediacall" presetSubtype="0" fill="hold" nodeType="clickEffect">
+                                  <p:stCondLst>
+                                    <p:cond delay="0"/>
+                                  </p:stCondLst>
+                                  <p:childTnLst>
+                                    <p:cmd type="call" cmd="togglePause">
+                                      <p:cBhvr>
+                                        <p:cTn id="12" dur="1" fill="hold"/>
+                                        <p:tgtEl>
+                                          <p:spTgt spid="4"/>
+                                        </p:tgtEl>
+                                      </p:cBhvr>
+                                    </p:cmd>
+                                  </p:childTnLst>
+                                </p:cTn>
+                              </p:par>
+                            </p:childTnLst>
+                          </p:cTn>
+                        </p:par>
+                      </p:childTnLst>
+                    </p:cTn>
+                  </p:par>
+                </p:childTnLst>
+              </p:cTn>
+              <p:nextCondLst>
+                <p:cond evt="onClick" delay="0">
+                  <p:tgtEl>
+                    <p:spTgt spid="4"/>
+                  </p:tgtEl>
+                </p:cond>
+              </p:nextCondLst>
+            </p:seq>
+          </p:childTnLst>
+        </p:cTn>
+      </p:par>
+    </p:tnLst>
+  </p:timing>
+</p:sld>
+</file>
+
 <file path=ppt/theme/theme1.xml><?xml version="1.0" encoding="utf-8"?>
 <a:theme xmlns:a="http://schemas.openxmlformats.org/drawingml/2006/main" name="Office Theme">
   <a:themeElements>
